--- a/demo/presentation.pptx
+++ b/demo/presentation.pptx
@@ -5,7 +5,7 @@
     <p:sldMasterId id="2147483648" r:id="rId1"/>
   </p:sldMasterIdLst>
   <p:notesMasterIdLst>
-    <p:notesMasterId r:id="rId28"/>
+    <p:notesMasterId r:id="rId29"/>
   </p:notesMasterIdLst>
   <p:sldIdLst>
     <p:sldId id="258" r:id="rId2"/>
@@ -24,16 +24,17 @@
     <p:sldId id="449" r:id="rId15"/>
     <p:sldId id="450" r:id="rId16"/>
     <p:sldId id="451" r:id="rId17"/>
-    <p:sldId id="439" r:id="rId18"/>
-    <p:sldId id="452" r:id="rId19"/>
-    <p:sldId id="440" r:id="rId20"/>
-    <p:sldId id="441" r:id="rId21"/>
-    <p:sldId id="457" r:id="rId22"/>
-    <p:sldId id="453" r:id="rId23"/>
-    <p:sldId id="456" r:id="rId24"/>
-    <p:sldId id="455" r:id="rId25"/>
-    <p:sldId id="454" r:id="rId26"/>
-    <p:sldId id="458" r:id="rId27"/>
+    <p:sldId id="460" r:id="rId18"/>
+    <p:sldId id="439" r:id="rId19"/>
+    <p:sldId id="452" r:id="rId20"/>
+    <p:sldId id="440" r:id="rId21"/>
+    <p:sldId id="441" r:id="rId22"/>
+    <p:sldId id="457" r:id="rId23"/>
+    <p:sldId id="453" r:id="rId24"/>
+    <p:sldId id="456" r:id="rId25"/>
+    <p:sldId id="455" r:id="rId26"/>
+    <p:sldId id="454" r:id="rId27"/>
+    <p:sldId id="458" r:id="rId28"/>
   </p:sldIdLst>
   <p:sldSz cx="9144000" cy="6858000" type="screen4x3"/>
   <p:notesSz cx="6858000" cy="9144000"/>
@@ -8699,6 +8700,283 @@
       </p:grpSpPr>
       <p:sp>
         <p:nvSpPr>
+          <p:cNvPr id="2" name="Title 1"/>
+          <p:cNvSpPr>
+            <a:spLocks noGrp="1"/>
+          </p:cNvSpPr>
+          <p:nvPr>
+            <p:ph type="title"/>
+          </p:nvPr>
+        </p:nvSpPr>
+        <p:spPr/>
+        <p:txBody>
+          <a:bodyPr/>
+          <a:lstStyle/>
+          <a:p>
+            <a:r>
+              <a:rPr lang="en-US" dirty="0" smtClean="0"/>
+              <a:t>Conditionals</a:t>
+            </a:r>
+            <a:endParaRPr lang="en-US" dirty="0"/>
+          </a:p>
+        </p:txBody>
+      </p:sp>
+      <p:sp>
+        <p:nvSpPr>
+          <p:cNvPr id="3" name="Content Placeholder 2"/>
+          <p:cNvSpPr>
+            <a:spLocks noGrp="1"/>
+          </p:cNvSpPr>
+          <p:nvPr>
+            <p:ph idx="1"/>
+          </p:nvPr>
+        </p:nvSpPr>
+        <p:spPr/>
+        <p:txBody>
+          <a:bodyPr/>
+          <a:lstStyle/>
+          <a:p>
+            <a:r>
+              <a:rPr lang="en-US" dirty="0" smtClean="0"/>
+              <a:t>If functions: (</a:t>
+            </a:r>
+            <a:endParaRPr lang="en-US" dirty="0" smtClean="0"/>
+          </a:p>
+          <a:p>
+            <a:pPr>
+              <a:buNone/>
+            </a:pPr>
+            <a:r>
+              <a:rPr lang="en-US" dirty="0" smtClean="0"/>
+              <a:t>		</a:t>
+            </a:r>
+            <a:r>
+              <a:rPr lang="en-US" b="1" dirty="0" smtClean="0"/>
+              <a:t>method </a:t>
+            </a:r>
+            <a:r>
+              <a:rPr lang="en-US" dirty="0" err="1" smtClean="0"/>
+              <a:t>readTwiceAnd</a:t>
+            </a:r>
+            <a:r>
+              <a:rPr lang="en-US" dirty="0" err="1" smtClean="0"/>
+              <a:t>Add</a:t>
+            </a:r>
+            <a:r>
+              <a:rPr lang="en-US" dirty="0" smtClean="0"/>
+              <a:t>(</a:t>
+            </a:r>
+            <a:r>
+              <a:rPr lang="en-US" dirty="0" err="1" smtClean="0"/>
+              <a:t>openFile</a:t>
+            </a:r>
+            <a:r>
+              <a:rPr lang="en-US" dirty="0" smtClean="0"/>
+              <a:t>) {</a:t>
+            </a:r>
+          </a:p>
+          <a:p>
+            <a:pPr>
+              <a:buNone/>
+            </a:pPr>
+            <a:r>
+              <a:rPr lang="en-US" dirty="0" smtClean="0">
+                <a:solidFill>
+                  <a:schemeClr val="tx2">
+                    <a:lumMod val="60000"/>
+                    <a:lumOff val="40000"/>
+                  </a:schemeClr>
+                </a:solidFill>
+              </a:rPr>
+              <a:t>	</a:t>
+            </a:r>
+            <a:r>
+              <a:rPr lang="en-US" dirty="0" smtClean="0"/>
+              <a:t>	   </a:t>
+            </a:r>
+            <a:r>
+              <a:rPr lang="en-US" dirty="0" err="1" smtClean="0"/>
+              <a:t>var</a:t>
+            </a:r>
+            <a:r>
+              <a:rPr lang="en-US" dirty="0" smtClean="0"/>
+              <a:t> result = </a:t>
+            </a:r>
+            <a:r>
+              <a:rPr lang="en-US" dirty="0" err="1" smtClean="0"/>
+              <a:t>openFile.read</a:t>
+            </a:r>
+            <a:r>
+              <a:rPr lang="en-US" dirty="0" smtClean="0"/>
+              <a:t>();</a:t>
+            </a:r>
+          </a:p>
+          <a:p>
+            <a:pPr>
+              <a:buNone/>
+            </a:pPr>
+            <a:r>
+              <a:rPr lang="en-US" dirty="0"/>
+              <a:t>	</a:t>
+            </a:r>
+            <a:r>
+              <a:rPr lang="en-US" dirty="0" smtClean="0"/>
+              <a:t>	   </a:t>
+            </a:r>
+            <a:r>
+              <a:rPr lang="en-US" dirty="0" err="1" smtClean="0"/>
+              <a:t>val</a:t>
+            </a:r>
+            <a:r>
+              <a:rPr lang="en-US" dirty="0" smtClean="0"/>
+              <a:t> second = </a:t>
+            </a:r>
+            <a:r>
+              <a:rPr lang="en-US" dirty="0" err="1" smtClean="0"/>
+              <a:t>openFile.read</a:t>
+            </a:r>
+            <a:r>
+              <a:rPr lang="en-US" dirty="0" smtClean="0"/>
+              <a:t>();</a:t>
+            </a:r>
+          </a:p>
+          <a:p>
+            <a:pPr>
+              <a:buNone/>
+            </a:pPr>
+            <a:r>
+              <a:rPr lang="en-US" dirty="0"/>
+              <a:t>	</a:t>
+            </a:r>
+            <a:r>
+              <a:rPr lang="en-US" dirty="0" smtClean="0"/>
+              <a:t>	   if (second != -1) { //only add if not EOF symbol</a:t>
+            </a:r>
+          </a:p>
+          <a:p>
+            <a:pPr>
+              <a:buNone/>
+            </a:pPr>
+            <a:r>
+              <a:rPr lang="en-US" dirty="0"/>
+              <a:t>	</a:t>
+            </a:r>
+            <a:r>
+              <a:rPr lang="en-US" dirty="0" smtClean="0"/>
+              <a:t>	      result = result + second;</a:t>
+            </a:r>
+          </a:p>
+          <a:p>
+            <a:pPr>
+              <a:buNone/>
+            </a:pPr>
+            <a:r>
+              <a:rPr lang="en-US" dirty="0"/>
+              <a:t>	</a:t>
+            </a:r>
+            <a:r>
+              <a:rPr lang="en-US" dirty="0" smtClean="0"/>
+              <a:t>	   };</a:t>
+            </a:r>
+          </a:p>
+          <a:p>
+            <a:pPr>
+              <a:buNone/>
+            </a:pPr>
+            <a:r>
+              <a:rPr lang="en-US" dirty="0"/>
+              <a:t>		</a:t>
+            </a:r>
+            <a:r>
+              <a:rPr lang="en-US" dirty="0" smtClean="0"/>
+              <a:t>   result</a:t>
+            </a:r>
+            <a:endParaRPr lang="en-US" dirty="0"/>
+          </a:p>
+          <a:p>
+            <a:pPr>
+              <a:buNone/>
+            </a:pPr>
+            <a:r>
+              <a:rPr lang="en-US" dirty="0" smtClean="0"/>
+              <a:t>		}</a:t>
+            </a:r>
+          </a:p>
+        </p:txBody>
+      </p:sp>
+      <p:sp>
+        <p:nvSpPr>
+          <p:cNvPr id="4" name="TextBox 3"/>
+          <p:cNvSpPr txBox="1"/>
+          <p:nvPr/>
+        </p:nvSpPr>
+        <p:spPr>
+          <a:xfrm>
+            <a:off x="6019800" y="6248400"/>
+            <a:ext cx="2938725" cy="461665"/>
+          </a:xfrm>
+          <a:prstGeom prst="rect">
+            <a:avLst/>
+          </a:prstGeom>
+          <a:noFill/>
+        </p:spPr>
+        <p:txBody>
+          <a:bodyPr wrap="none" rtlCol="0">
+            <a:spAutoFit/>
+          </a:bodyPr>
+          <a:lstStyle/>
+          <a:p>
+            <a:r>
+              <a:rPr lang="en-US" dirty="0" smtClean="0"/>
+              <a:t>Code from </a:t>
+            </a:r>
+            <a:r>
+              <a:rPr lang="en-US" dirty="0" err="1" smtClean="0"/>
+              <a:t>File.plaid</a:t>
+            </a:r>
+            <a:endParaRPr lang="en-US" dirty="0"/>
+          </a:p>
+        </p:txBody>
+      </p:sp>
+    </p:spTree>
+    <p:extLst>
+      <p:ext uri="{BB962C8B-B14F-4D97-AF65-F5344CB8AC3E}">
+        <p14:creationId xmlns:p14="http://schemas.microsoft.com/office/powerpoint/2010/main" val="2325591287"/>
+      </p:ext>
+    </p:extLst>
+  </p:cSld>
+  <p:clrMapOvr>
+    <a:masterClrMapping/>
+  </p:clrMapOvr>
+  <p:timing>
+    <p:tnLst>
+      <p:par>
+        <p:cTn xmlns:p14="http://schemas.microsoft.com/office/powerpoint/2010/main" id="1" dur="indefinite" restart="never" nodeType="tmRoot"/>
+      </p:par>
+    </p:tnLst>
+  </p:timing>
+</p:sld>
+</file>
+
+<file path=ppt/slides/slide18.xml><?xml version="1.0" encoding="utf-8"?>
+<p:sld xmlns:a="http://schemas.openxmlformats.org/drawingml/2006/main" xmlns:r="http://schemas.openxmlformats.org/officeDocument/2006/relationships" xmlns:p="http://schemas.openxmlformats.org/presentationml/2006/main">
+  <p:cSld>
+    <p:spTree>
+      <p:nvGrpSpPr>
+        <p:cNvPr id="1" name=""/>
+        <p:cNvGrpSpPr/>
+        <p:nvPr/>
+      </p:nvGrpSpPr>
+      <p:grpSpPr>
+        <a:xfrm>
+          <a:off x="0" y="0"/>
+          <a:ext cx="0" cy="0"/>
+          <a:chOff x="0" y="0"/>
+          <a:chExt cx="0" cy="0"/>
+        </a:xfrm>
+      </p:grpSpPr>
+      <p:sp>
+        <p:nvSpPr>
           <p:cNvPr id="9" name="Content Placeholder 7"/>
           <p:cNvSpPr>
             <a:spLocks noGrp="1"/>
@@ -8808,7 +9086,7 @@
 </p:sld>
 </file>
 
-<file path=ppt/slides/slide18.xml><?xml version="1.0" encoding="utf-8"?>
+<file path=ppt/slides/slide19.xml><?xml version="1.0" encoding="utf-8"?>
 <p:sld xmlns:a="http://schemas.openxmlformats.org/drawingml/2006/main" xmlns:r="http://schemas.openxmlformats.org/officeDocument/2006/relationships" xmlns:p="http://schemas.openxmlformats.org/presentationml/2006/main">
   <p:cSld>
     <p:spTree>
@@ -9091,235 +9369,6 @@
           </a:fontRef>
         </p:style>
       </p:cxnSp>
-    </p:spTree>
-  </p:cSld>
-  <p:clrMapOvr>
-    <a:masterClrMapping/>
-  </p:clrMapOvr>
-  <p:timing>
-    <p:tnLst>
-      <p:par>
-        <p:cTn xmlns:p14="http://schemas.microsoft.com/office/powerpoint/2010/main" id="1" dur="indefinite" restart="never" nodeType="tmRoot"/>
-      </p:par>
-    </p:tnLst>
-  </p:timing>
-</p:sld>
-</file>
-
-<file path=ppt/slides/slide19.xml><?xml version="1.0" encoding="utf-8"?>
-<p:sld xmlns:a="http://schemas.openxmlformats.org/drawingml/2006/main" xmlns:r="http://schemas.openxmlformats.org/officeDocument/2006/relationships" xmlns:p="http://schemas.openxmlformats.org/presentationml/2006/main">
-  <p:cSld>
-    <p:spTree>
-      <p:nvGrpSpPr>
-        <p:cNvPr id="1" name=""/>
-        <p:cNvGrpSpPr/>
-        <p:nvPr/>
-      </p:nvGrpSpPr>
-      <p:grpSpPr>
-        <a:xfrm>
-          <a:off x="0" y="0"/>
-          <a:ext cx="0" cy="0"/>
-          <a:chOff x="0" y="0"/>
-          <a:chExt cx="0" cy="0"/>
-        </a:xfrm>
-      </p:grpSpPr>
-      <p:sp>
-        <p:nvSpPr>
-          <p:cNvPr id="2" name="Title 1"/>
-          <p:cNvSpPr>
-            <a:spLocks noGrp="1"/>
-          </p:cNvSpPr>
-          <p:nvPr>
-            <p:ph type="title"/>
-          </p:nvPr>
-        </p:nvSpPr>
-        <p:spPr/>
-        <p:txBody>
-          <a:bodyPr/>
-          <a:lstStyle/>
-          <a:p>
-            <a:r>
-              <a:rPr lang="en-US" dirty="0" smtClean="0"/>
-              <a:t>And-states and Composition</a:t>
-            </a:r>
-            <a:endParaRPr lang="en-US" dirty="0"/>
-          </a:p>
-        </p:txBody>
-      </p:sp>
-      <p:pic>
-        <p:nvPicPr>
-          <p:cNvPr id="6" name="Picture 5" descr="car.png"/>
-          <p:cNvPicPr>
-            <a:picLocks noChangeAspect="1"/>
-          </p:cNvPicPr>
-          <p:nvPr/>
-        </p:nvPicPr>
-        <p:blipFill>
-          <a:blip r:embed="rId2"/>
-          <a:stretch>
-            <a:fillRect/>
-          </a:stretch>
-        </p:blipFill>
-        <p:spPr>
-          <a:xfrm>
-            <a:off x="2133600" y="1752600"/>
-            <a:ext cx="4770618" cy="3581400"/>
-          </a:xfrm>
-          <a:prstGeom prst="rect">
-            <a:avLst/>
-          </a:prstGeom>
-        </p:spPr>
-      </p:pic>
-      <p:sp>
-        <p:nvSpPr>
-          <p:cNvPr id="9" name="Content Placeholder 7"/>
-          <p:cNvSpPr>
-            <a:spLocks noGrp="1"/>
-          </p:cNvSpPr>
-          <p:nvPr>
-            <p:ph idx="1"/>
-          </p:nvPr>
-        </p:nvSpPr>
-        <p:spPr>
-          <a:xfrm>
-            <a:off x="457200" y="1143000"/>
-            <a:ext cx="8229600" cy="4983163"/>
-          </a:xfrm>
-        </p:spPr>
-        <p:txBody>
-          <a:bodyPr/>
-          <a:lstStyle/>
-          <a:p>
-            <a:r>
-              <a:rPr lang="en-US" dirty="0" smtClean="0"/>
-              <a:t>A Car has a more complicated state chart</a:t>
-            </a:r>
-            <a:endParaRPr lang="en-US" b="1" dirty="0" smtClean="0"/>
-          </a:p>
-          <a:p>
-            <a:endParaRPr lang="en-US" b="1" dirty="0" smtClean="0"/>
-          </a:p>
-          <a:p>
-            <a:endParaRPr lang="en-US" b="1" dirty="0" smtClean="0"/>
-          </a:p>
-          <a:p>
-            <a:endParaRPr lang="en-US" b="1" dirty="0" smtClean="0"/>
-          </a:p>
-          <a:p>
-            <a:endParaRPr lang="en-US" b="1" dirty="0" smtClean="0"/>
-          </a:p>
-          <a:p>
-            <a:endParaRPr lang="en-US" dirty="0" smtClean="0"/>
-          </a:p>
-          <a:p>
-            <a:endParaRPr lang="en-US" b="1" dirty="0" smtClean="0"/>
-          </a:p>
-          <a:p>
-            <a:endParaRPr lang="en-US" b="1" dirty="0" smtClean="0"/>
-          </a:p>
-        </p:txBody>
-      </p:sp>
-      <p:cxnSp>
-        <p:nvCxnSpPr>
-          <p:cNvPr id="10" name="Straight Arrow Connector 9"/>
-          <p:cNvCxnSpPr/>
-          <p:nvPr/>
-        </p:nvCxnSpPr>
-        <p:spPr>
-          <a:xfrm rot="10800000" flipV="1">
-            <a:off x="5715000" y="2209800"/>
-            <a:ext cx="1752600" cy="457200"/>
-          </a:xfrm>
-          <a:prstGeom prst="straightConnector1">
-            <a:avLst/>
-          </a:prstGeom>
-          <a:ln w="38100">
-            <a:solidFill>
-              <a:srgbClr val="FF6600"/>
-            </a:solidFill>
-            <a:prstDash val="sysDash"/>
-            <a:tailEnd type="arrow"/>
-          </a:ln>
-        </p:spPr>
-        <p:style>
-          <a:lnRef idx="2">
-            <a:schemeClr val="accent1"/>
-          </a:lnRef>
-          <a:fillRef idx="0">
-            <a:schemeClr val="accent1"/>
-          </a:fillRef>
-          <a:effectRef idx="1">
-            <a:schemeClr val="accent1"/>
-          </a:effectRef>
-          <a:fontRef idx="minor">
-            <a:schemeClr val="tx1"/>
-          </a:fontRef>
-        </p:style>
-      </p:cxnSp>
-      <p:sp>
-        <p:nvSpPr>
-          <p:cNvPr id="13" name="TextBox 12"/>
-          <p:cNvSpPr txBox="1"/>
-          <p:nvPr/>
-        </p:nvSpPr>
-        <p:spPr>
-          <a:xfrm>
-            <a:off x="6838110" y="1600200"/>
-            <a:ext cx="2305890" cy="2308324"/>
-          </a:xfrm>
-          <a:prstGeom prst="rect">
-            <a:avLst/>
-          </a:prstGeom>
-          <a:noFill/>
-        </p:spPr>
-        <p:txBody>
-          <a:bodyPr wrap="none" rtlCol="0">
-            <a:spAutoFit/>
-          </a:bodyPr>
-          <a:lstStyle/>
-          <a:p>
-            <a:r>
-              <a:rPr lang="en-US" dirty="0" smtClean="0"/>
-              <a:t>radio() method</a:t>
-            </a:r>
-          </a:p>
-          <a:p>
-            <a:r>
-              <a:rPr lang="en-US" dirty="0" smtClean="0"/>
-              <a:t>       available</a:t>
-            </a:r>
-          </a:p>
-          <a:p>
-            <a:r>
-              <a:rPr lang="en-US" dirty="0" smtClean="0"/>
-              <a:t>in all </a:t>
-            </a:r>
-            <a:r>
-              <a:rPr lang="en-US" dirty="0" err="1" smtClean="0"/>
-              <a:t>substates</a:t>
-            </a:r>
-            <a:endParaRPr lang="en-US" dirty="0" smtClean="0"/>
-          </a:p>
-          <a:p>
-            <a:r>
-              <a:rPr lang="en-US" dirty="0" smtClean="0"/>
-              <a:t>of On.  Always </a:t>
-            </a:r>
-          </a:p>
-          <a:p>
-            <a:r>
-              <a:rPr lang="en-US" dirty="0" smtClean="0"/>
-              <a:t>ends in the </a:t>
-            </a:r>
-          </a:p>
-          <a:p>
-            <a:r>
-              <a:rPr lang="en-US" dirty="0" smtClean="0"/>
-              <a:t>Radio state.</a:t>
-            </a:r>
-          </a:p>
-        </p:txBody>
-      </p:sp>
     </p:spTree>
   </p:cSld>
   <p:clrMapOvr>
@@ -9953,6 +10002,235 @@
           <a:p>
             <a:r>
               <a:rPr lang="en-US" dirty="0" smtClean="0"/>
+              <a:t>And-states and Composition</a:t>
+            </a:r>
+            <a:endParaRPr lang="en-US" dirty="0"/>
+          </a:p>
+        </p:txBody>
+      </p:sp>
+      <p:pic>
+        <p:nvPicPr>
+          <p:cNvPr id="6" name="Picture 5" descr="car.png"/>
+          <p:cNvPicPr>
+            <a:picLocks noChangeAspect="1"/>
+          </p:cNvPicPr>
+          <p:nvPr/>
+        </p:nvPicPr>
+        <p:blipFill>
+          <a:blip r:embed="rId2"/>
+          <a:stretch>
+            <a:fillRect/>
+          </a:stretch>
+        </p:blipFill>
+        <p:spPr>
+          <a:xfrm>
+            <a:off x="2133600" y="1752600"/>
+            <a:ext cx="4770618" cy="3581400"/>
+          </a:xfrm>
+          <a:prstGeom prst="rect">
+            <a:avLst/>
+          </a:prstGeom>
+        </p:spPr>
+      </p:pic>
+      <p:sp>
+        <p:nvSpPr>
+          <p:cNvPr id="9" name="Content Placeholder 7"/>
+          <p:cNvSpPr>
+            <a:spLocks noGrp="1"/>
+          </p:cNvSpPr>
+          <p:nvPr>
+            <p:ph idx="1"/>
+          </p:nvPr>
+        </p:nvSpPr>
+        <p:spPr>
+          <a:xfrm>
+            <a:off x="457200" y="1143000"/>
+            <a:ext cx="8229600" cy="4983163"/>
+          </a:xfrm>
+        </p:spPr>
+        <p:txBody>
+          <a:bodyPr/>
+          <a:lstStyle/>
+          <a:p>
+            <a:r>
+              <a:rPr lang="en-US" dirty="0" smtClean="0"/>
+              <a:t>A Car has a more complicated state chart</a:t>
+            </a:r>
+            <a:endParaRPr lang="en-US" b="1" dirty="0" smtClean="0"/>
+          </a:p>
+          <a:p>
+            <a:endParaRPr lang="en-US" b="1" dirty="0" smtClean="0"/>
+          </a:p>
+          <a:p>
+            <a:endParaRPr lang="en-US" b="1" dirty="0" smtClean="0"/>
+          </a:p>
+          <a:p>
+            <a:endParaRPr lang="en-US" b="1" dirty="0" smtClean="0"/>
+          </a:p>
+          <a:p>
+            <a:endParaRPr lang="en-US" b="1" dirty="0" smtClean="0"/>
+          </a:p>
+          <a:p>
+            <a:endParaRPr lang="en-US" dirty="0" smtClean="0"/>
+          </a:p>
+          <a:p>
+            <a:endParaRPr lang="en-US" b="1" dirty="0" smtClean="0"/>
+          </a:p>
+          <a:p>
+            <a:endParaRPr lang="en-US" b="1" dirty="0" smtClean="0"/>
+          </a:p>
+        </p:txBody>
+      </p:sp>
+      <p:cxnSp>
+        <p:nvCxnSpPr>
+          <p:cNvPr id="10" name="Straight Arrow Connector 9"/>
+          <p:cNvCxnSpPr/>
+          <p:nvPr/>
+        </p:nvCxnSpPr>
+        <p:spPr>
+          <a:xfrm rot="10800000" flipV="1">
+            <a:off x="5715000" y="2209800"/>
+            <a:ext cx="1752600" cy="457200"/>
+          </a:xfrm>
+          <a:prstGeom prst="straightConnector1">
+            <a:avLst/>
+          </a:prstGeom>
+          <a:ln w="38100">
+            <a:solidFill>
+              <a:srgbClr val="FF6600"/>
+            </a:solidFill>
+            <a:prstDash val="sysDash"/>
+            <a:tailEnd type="arrow"/>
+          </a:ln>
+        </p:spPr>
+        <p:style>
+          <a:lnRef idx="2">
+            <a:schemeClr val="accent1"/>
+          </a:lnRef>
+          <a:fillRef idx="0">
+            <a:schemeClr val="accent1"/>
+          </a:fillRef>
+          <a:effectRef idx="1">
+            <a:schemeClr val="accent1"/>
+          </a:effectRef>
+          <a:fontRef idx="minor">
+            <a:schemeClr val="tx1"/>
+          </a:fontRef>
+        </p:style>
+      </p:cxnSp>
+      <p:sp>
+        <p:nvSpPr>
+          <p:cNvPr id="13" name="TextBox 12"/>
+          <p:cNvSpPr txBox="1"/>
+          <p:nvPr/>
+        </p:nvSpPr>
+        <p:spPr>
+          <a:xfrm>
+            <a:off x="6838110" y="1600200"/>
+            <a:ext cx="2305890" cy="2308324"/>
+          </a:xfrm>
+          <a:prstGeom prst="rect">
+            <a:avLst/>
+          </a:prstGeom>
+          <a:noFill/>
+        </p:spPr>
+        <p:txBody>
+          <a:bodyPr wrap="none" rtlCol="0">
+            <a:spAutoFit/>
+          </a:bodyPr>
+          <a:lstStyle/>
+          <a:p>
+            <a:r>
+              <a:rPr lang="en-US" dirty="0" smtClean="0"/>
+              <a:t>radio() method</a:t>
+            </a:r>
+          </a:p>
+          <a:p>
+            <a:r>
+              <a:rPr lang="en-US" dirty="0" smtClean="0"/>
+              <a:t>       available</a:t>
+            </a:r>
+          </a:p>
+          <a:p>
+            <a:r>
+              <a:rPr lang="en-US" dirty="0" smtClean="0"/>
+              <a:t>in all </a:t>
+            </a:r>
+            <a:r>
+              <a:rPr lang="en-US" dirty="0" err="1" smtClean="0"/>
+              <a:t>substates</a:t>
+            </a:r>
+            <a:endParaRPr lang="en-US" dirty="0" smtClean="0"/>
+          </a:p>
+          <a:p>
+            <a:r>
+              <a:rPr lang="en-US" dirty="0" smtClean="0"/>
+              <a:t>of On.  Always </a:t>
+            </a:r>
+          </a:p>
+          <a:p>
+            <a:r>
+              <a:rPr lang="en-US" dirty="0" smtClean="0"/>
+              <a:t>ends in the </a:t>
+            </a:r>
+          </a:p>
+          <a:p>
+            <a:r>
+              <a:rPr lang="en-US" dirty="0" smtClean="0"/>
+              <a:t>Radio state.</a:t>
+            </a:r>
+          </a:p>
+        </p:txBody>
+      </p:sp>
+    </p:spTree>
+  </p:cSld>
+  <p:clrMapOvr>
+    <a:masterClrMapping/>
+  </p:clrMapOvr>
+  <p:timing>
+    <p:tnLst>
+      <p:par>
+        <p:cTn xmlns:p14="http://schemas.microsoft.com/office/powerpoint/2010/main" id="1" dur="indefinite" restart="never" nodeType="tmRoot"/>
+      </p:par>
+    </p:tnLst>
+  </p:timing>
+</p:sld>
+</file>
+
+<file path=ppt/slides/slide21.xml><?xml version="1.0" encoding="utf-8"?>
+<p:sld xmlns:a="http://schemas.openxmlformats.org/drawingml/2006/main" xmlns:r="http://schemas.openxmlformats.org/officeDocument/2006/relationships" xmlns:p="http://schemas.openxmlformats.org/presentationml/2006/main">
+  <p:cSld>
+    <p:spTree>
+      <p:nvGrpSpPr>
+        <p:cNvPr id="1" name=""/>
+        <p:cNvGrpSpPr/>
+        <p:nvPr/>
+      </p:nvGrpSpPr>
+      <p:grpSpPr>
+        <a:xfrm>
+          <a:off x="0" y="0"/>
+          <a:ext cx="0" cy="0"/>
+          <a:chOff x="0" y="0"/>
+          <a:chExt cx="0" cy="0"/>
+        </a:xfrm>
+      </p:grpSpPr>
+      <p:sp>
+        <p:nvSpPr>
+          <p:cNvPr id="2" name="Title 1"/>
+          <p:cNvSpPr>
+            <a:spLocks noGrp="1"/>
+          </p:cNvSpPr>
+          <p:nvPr>
+            <p:ph type="title"/>
+          </p:nvPr>
+        </p:nvSpPr>
+        <p:spPr/>
+        <p:txBody>
+          <a:bodyPr/>
+          <a:lstStyle/>
+          <a:p>
+            <a:r>
+              <a:rPr lang="en-US" dirty="0" smtClean="0"/>
               <a:t>Plaid Car</a:t>
             </a:r>
             <a:endParaRPr lang="en-US" dirty="0"/>
@@ -10074,7 +10352,7 @@
 </p:sld>
 </file>
 
-<file path=ppt/slides/slide21.xml><?xml version="1.0" encoding="utf-8"?>
+<file path=ppt/slides/slide22.xml><?xml version="1.0" encoding="utf-8"?>
 <p:sld xmlns:a="http://schemas.openxmlformats.org/drawingml/2006/main" xmlns:r="http://schemas.openxmlformats.org/officeDocument/2006/relationships" xmlns:p="http://schemas.openxmlformats.org/presentationml/2006/main">
   <p:cSld>
     <p:spTree>
@@ -10399,7 +10677,7 @@
 </p:sld>
 </file>
 
-<file path=ppt/slides/slide22.xml><?xml version="1.0" encoding="utf-8"?>
+<file path=ppt/slides/slide23.xml><?xml version="1.0" encoding="utf-8"?>
 <p:sld xmlns:a="http://schemas.openxmlformats.org/drawingml/2006/main" xmlns:r="http://schemas.openxmlformats.org/officeDocument/2006/relationships" xmlns:p="http://schemas.openxmlformats.org/presentationml/2006/main">
   <p:cSld>
     <p:spTree>
@@ -10883,7 +11161,7 @@
 </p:sld>
 </file>
 
-<file path=ppt/slides/slide23.xml><?xml version="1.0" encoding="utf-8"?>
+<file path=ppt/slides/slide24.xml><?xml version="1.0" encoding="utf-8"?>
 <p:sld xmlns:a="http://schemas.openxmlformats.org/drawingml/2006/main" xmlns:r="http://schemas.openxmlformats.org/officeDocument/2006/relationships" xmlns:p="http://schemas.openxmlformats.org/presentationml/2006/main">
   <p:cSld>
     <p:spTree>
@@ -11549,7 +11827,7 @@
 </p:sld>
 </file>
 
-<file path=ppt/slides/slide24.xml><?xml version="1.0" encoding="utf-8"?>
+<file path=ppt/slides/slide25.xml><?xml version="1.0" encoding="utf-8"?>
 <p:sld xmlns:a="http://schemas.openxmlformats.org/drawingml/2006/main" xmlns:r="http://schemas.openxmlformats.org/officeDocument/2006/relationships" xmlns:p="http://schemas.openxmlformats.org/presentationml/2006/main">
   <p:cSld>
     <p:spTree>
@@ -12166,9 +12444,109 @@
           </p:txBody>
         </p:sp>
       </p:grpSp>
+      <p:sp>
+        <p:nvSpPr>
+          <p:cNvPr id="19" name="TextBox 18"/>
+          <p:cNvSpPr txBox="1"/>
+          <p:nvPr/>
+        </p:nvSpPr>
+        <p:spPr>
+          <a:xfrm>
+            <a:off x="6019800" y="6248400"/>
+            <a:ext cx="2921743" cy="461665"/>
+          </a:xfrm>
+          <a:prstGeom prst="rect">
+            <a:avLst/>
+          </a:prstGeom>
+          <a:noFill/>
+        </p:spPr>
+        <p:txBody>
+          <a:bodyPr wrap="none" rtlCol="0">
+            <a:spAutoFit/>
+          </a:bodyPr>
+          <a:lstStyle/>
+          <a:p>
+            <a:r>
+              <a:rPr lang="en-US" dirty="0" smtClean="0"/>
+              <a:t>Code from </a:t>
+            </a:r>
+            <a:r>
+              <a:rPr lang="en-US" dirty="0" err="1" smtClean="0"/>
+              <a:t>Car.plaid</a:t>
+            </a:r>
+            <a:endParaRPr lang="en-US" dirty="0"/>
+          </a:p>
+        </p:txBody>
+      </p:sp>
+      <p:sp>
+        <p:nvSpPr>
+          <p:cNvPr id="20" name="Content Placeholder 2"/>
+          <p:cNvSpPr>
+            <a:spLocks/>
+          </p:cNvSpPr>
+          <p:nvPr/>
+        </p:nvSpPr>
+        <p:spPr bwMode="auto">
+          <a:xfrm>
+            <a:off x="304800" y="5257800"/>
+            <a:ext cx="4639559" cy="522579"/>
+          </a:xfrm>
+          <a:prstGeom prst="rect">
+            <a:avLst/>
+          </a:prstGeom>
+          <a:noFill/>
+          <a:ln w="9525">
+            <a:noFill/>
+            <a:miter lim="800000"/>
+            <a:headEnd/>
+            <a:tailEnd/>
+          </a:ln>
+        </p:spPr>
+        <p:txBody>
+          <a:bodyPr>
+            <a:prstTxWarp prst="textNoShape">
+              <a:avLst/>
+            </a:prstTxWarp>
+          </a:bodyPr>
+          <a:lstStyle/>
+          <a:p>
+            <a:pPr eaLnBrk="0" hangingPunct="0"/>
+            <a:r>
+              <a:rPr lang="en-US" sz="2600" b="1" dirty="0" smtClean="0">
+                <a:latin typeface="Calibri" pitchFamily="-72" charset="0"/>
+              </a:rPr>
+              <a:t>state</a:t>
+            </a:r>
+            <a:r>
+              <a:rPr lang="en-US" sz="2600" dirty="0" smtClean="0">
+                <a:latin typeface="Calibri" pitchFamily="-72" charset="0"/>
+              </a:rPr>
+              <a:t> Car = Stereo </a:t>
+            </a:r>
+            <a:r>
+              <a:rPr lang="en-US" sz="2600" b="1" dirty="0" smtClean="0">
+                <a:latin typeface="Calibri" pitchFamily="-72" charset="0"/>
+              </a:rPr>
+              <a:t>with </a:t>
+            </a:r>
+            <a:r>
+              <a:rPr lang="en-US" sz="2600" dirty="0" smtClean="0">
+                <a:latin typeface="Calibri" pitchFamily="-72" charset="0"/>
+              </a:rPr>
+              <a:t>Gear;</a:t>
+            </a:r>
+          </a:p>
+          <a:p>
+            <a:pPr eaLnBrk="0" hangingPunct="0"/>
+            <a:endParaRPr lang="en-US" dirty="0">
+              <a:latin typeface="Calibri" pitchFamily="-72" charset="0"/>
+            </a:endParaRPr>
+          </a:p>
+        </p:txBody>
+      </p:sp>
       <p:grpSp>
         <p:nvGrpSpPr>
-          <p:cNvPr id="7" name="Group 17"/>
+          <p:cNvPr id="23" name="Group 17"/>
           <p:cNvGrpSpPr>
             <a:grpSpLocks/>
           </p:cNvGrpSpPr>
@@ -12177,14 +12555,14 @@
         <p:grpSpPr bwMode="auto">
           <a:xfrm>
             <a:off x="304800" y="5257800"/>
-            <a:ext cx="4266190" cy="457200"/>
+            <a:ext cx="4771256" cy="547464"/>
             <a:chOff x="1573" y="1728"/>
             <a:chExt cx="1739" cy="1056"/>
           </a:xfrm>
         </p:grpSpPr>
         <p:sp>
           <p:nvSpPr>
-            <p:cNvPr id="21" name="AutoShape 18"/>
+            <p:cNvPr id="24" name="AutoShape 18"/>
             <p:cNvSpPr>
               <a:spLocks noChangeArrowheads="1"/>
             </p:cNvSpPr>
@@ -12224,7 +12602,7 @@
         </p:sp>
         <p:sp>
           <p:nvSpPr>
-            <p:cNvPr id="22" name="Content Placeholder 2"/>
+            <p:cNvPr id="25" name="Content Placeholder 2"/>
             <p:cNvSpPr>
               <a:spLocks/>
             </p:cNvSpPr>
@@ -12256,25 +12634,25 @@
             <a:p>
               <a:pPr eaLnBrk="0" hangingPunct="0"/>
               <a:r>
-                <a:rPr lang="en-US" sz="1900" b="1" dirty="0" smtClean="0">
+                <a:rPr lang="en-US" sz="2600" b="1" dirty="0" smtClean="0">
                   <a:latin typeface="Calibri" pitchFamily="-72" charset="0"/>
                 </a:rPr>
                 <a:t>state</a:t>
               </a:r>
               <a:r>
-                <a:rPr lang="en-US" sz="1900" dirty="0" smtClean="0">
+                <a:rPr lang="en-US" sz="2600" dirty="0" smtClean="0">
                   <a:latin typeface="Calibri" pitchFamily="-72" charset="0"/>
                 </a:rPr>
                 <a:t> Car = Stereo </a:t>
               </a:r>
               <a:r>
-                <a:rPr lang="en-US" sz="1900" b="1" dirty="0" smtClean="0">
+                <a:rPr lang="en-US" sz="2600" b="1" dirty="0" smtClean="0">
                   <a:latin typeface="Calibri" pitchFamily="-72" charset="0"/>
                 </a:rPr>
                 <a:t>with </a:t>
               </a:r>
               <a:r>
-                <a:rPr lang="en-US" sz="1900" dirty="0" smtClean="0">
+                <a:rPr lang="en-US" sz="2600" dirty="0" smtClean="0">
                   <a:latin typeface="Calibri" pitchFamily="-72" charset="0"/>
                 </a:rPr>
                 <a:t>Gear;</a:t>
@@ -12289,40 +12667,6 @@
           </p:txBody>
         </p:sp>
       </p:grpSp>
-      <p:sp>
-        <p:nvSpPr>
-          <p:cNvPr id="19" name="TextBox 18"/>
-          <p:cNvSpPr txBox="1"/>
-          <p:nvPr/>
-        </p:nvSpPr>
-        <p:spPr>
-          <a:xfrm>
-            <a:off x="6019800" y="6248400"/>
-            <a:ext cx="2921743" cy="461665"/>
-          </a:xfrm>
-          <a:prstGeom prst="rect">
-            <a:avLst/>
-          </a:prstGeom>
-          <a:noFill/>
-        </p:spPr>
-        <p:txBody>
-          <a:bodyPr wrap="none" rtlCol="0">
-            <a:spAutoFit/>
-          </a:bodyPr>
-          <a:lstStyle/>
-          <a:p>
-            <a:r>
-              <a:rPr lang="en-US" dirty="0" smtClean="0"/>
-              <a:t>Code from </a:t>
-            </a:r>
-            <a:r>
-              <a:rPr lang="en-US" dirty="0" err="1" smtClean="0"/>
-              <a:t>Car.plaid</a:t>
-            </a:r>
-            <a:endParaRPr lang="en-US" dirty="0"/>
-          </a:p>
-        </p:txBody>
-      </p:sp>
     </p:spTree>
   </p:cSld>
   <p:clrMapOvr>
@@ -12338,7 +12682,7 @@
 </p:sld>
 </file>
 
-<file path=ppt/slides/slide25.xml><?xml version="1.0" encoding="utf-8"?>
+<file path=ppt/slides/slide26.xml><?xml version="1.0" encoding="utf-8"?>
 <p:sld xmlns:a="http://schemas.openxmlformats.org/drawingml/2006/main" xmlns:r="http://schemas.openxmlformats.org/officeDocument/2006/relationships" xmlns:p="http://schemas.openxmlformats.org/presentationml/2006/main">
   <p:cSld>
     <p:spTree>
@@ -12966,7 +13310,7 @@
         <p:grpSpPr bwMode="auto">
           <a:xfrm>
             <a:off x="304800" y="5257800"/>
-            <a:ext cx="4266190" cy="457200"/>
+            <a:ext cx="4771256" cy="547464"/>
             <a:chOff x="1573" y="1728"/>
             <a:chExt cx="1739" cy="1056"/>
           </a:xfrm>
@@ -13045,25 +13389,25 @@
             <a:p>
               <a:pPr eaLnBrk="0" hangingPunct="0"/>
               <a:r>
-                <a:rPr lang="en-US" sz="1900" b="1" dirty="0" smtClean="0">
+                <a:rPr lang="en-US" sz="2600" b="1" dirty="0" smtClean="0">
                   <a:latin typeface="Calibri" pitchFamily="-72" charset="0"/>
                 </a:rPr>
                 <a:t>state</a:t>
               </a:r>
               <a:r>
-                <a:rPr lang="en-US" sz="1900" dirty="0" smtClean="0">
+                <a:rPr lang="en-US" sz="2600" dirty="0" smtClean="0">
                   <a:latin typeface="Calibri" pitchFamily="-72" charset="0"/>
                 </a:rPr>
                 <a:t> Car = Stereo </a:t>
               </a:r>
               <a:r>
-                <a:rPr lang="en-US" sz="1900" b="1" dirty="0" smtClean="0">
+                <a:rPr lang="en-US" sz="2600" b="1" dirty="0" smtClean="0">
                   <a:latin typeface="Calibri" pitchFamily="-72" charset="0"/>
                 </a:rPr>
                 <a:t>with </a:t>
               </a:r>
               <a:r>
-                <a:rPr lang="en-US" sz="1900" dirty="0" smtClean="0">
+                <a:rPr lang="en-US" sz="2600" dirty="0" smtClean="0">
                   <a:latin typeface="Calibri" pitchFamily="-72" charset="0"/>
                 </a:rPr>
                 <a:t>Gear;</a:t>
@@ -13086,7 +13430,7 @@
         </p:nvCxnSpPr>
         <p:spPr>
           <a:xfrm rot="10800000">
-            <a:off x="2743200" y="5638800"/>
+            <a:off x="3310136" y="5661248"/>
             <a:ext cx="685800" cy="609600"/>
           </a:xfrm>
           <a:prstGeom prst="straightConnector1">
@@ -13123,7 +13467,7 @@
         </p:nvSpPr>
         <p:spPr>
           <a:xfrm>
-            <a:off x="3429000" y="6019800"/>
+            <a:off x="3995936" y="6042248"/>
             <a:ext cx="1895320" cy="461665"/>
           </a:xfrm>
           <a:prstGeom prst="rect">
@@ -13194,7 +13538,7 @@
 </p:sld>
 </file>
 
-<file path=ppt/slides/slide26.xml><?xml version="1.0" encoding="utf-8"?>
+<file path=ppt/slides/slide27.xml><?xml version="1.0" encoding="utf-8"?>
 <p:sld xmlns:a="http://schemas.openxmlformats.org/drawingml/2006/main" xmlns:r="http://schemas.openxmlformats.org/officeDocument/2006/relationships" xmlns:p="http://schemas.openxmlformats.org/presentationml/2006/main">
   <p:cSld>
     <p:spTree>
@@ -13266,23 +13610,28 @@
       </p:sp>
       <p:pic>
         <p:nvPicPr>
-          <p:cNvPr id="8" name="Picture 7" descr="syntaxOverview.pdf"/>
+          <p:cNvPr id="65" name="Picture 64" descr="PlaidCell.png"/>
           <p:cNvPicPr>
             <a:picLocks noChangeAspect="1"/>
           </p:cNvPicPr>
           <p:nvPr/>
         </p:nvPicPr>
         <p:blipFill>
-          <a:blip r:embed="rId2"/>
-          <a:srcRect l="5882" t="6818" r="11765" b="43182"/>
+          <a:blip r:embed="rId2">
+            <a:extLst>
+              <a:ext uri="{28A0092B-C50C-407E-A947-70E740481C1C}">
+                <a14:useLocalDpi xmlns:a14="http://schemas.microsoft.com/office/drawing/2010/main" val="0"/>
+              </a:ext>
+            </a:extLst>
+          </a:blip>
           <a:stretch>
             <a:fillRect/>
           </a:stretch>
         </p:blipFill>
         <p:spPr>
           <a:xfrm>
-            <a:off x="1295400" y="1447800"/>
-            <a:ext cx="6553200" cy="5149015"/>
+            <a:off x="1403648" y="1628800"/>
+            <a:ext cx="6264696" cy="4698522"/>
           </a:xfrm>
           <a:prstGeom prst="rect">
             <a:avLst/>

--- a/demo/presentation.pptx
+++ b/demo/presentation.pptx
@@ -5,7 +5,7 @@
     <p:sldMasterId id="2147483648" r:id="rId1"/>
   </p:sldMasterIdLst>
   <p:notesMasterIdLst>
-    <p:notesMasterId r:id="rId29"/>
+    <p:notesMasterId r:id="rId31"/>
   </p:notesMasterIdLst>
   <p:sldIdLst>
     <p:sldId id="258" r:id="rId2"/>
@@ -34,7 +34,9 @@
     <p:sldId id="456" r:id="rId25"/>
     <p:sldId id="455" r:id="rId26"/>
     <p:sldId id="454" r:id="rId27"/>
-    <p:sldId id="458" r:id="rId28"/>
+    <p:sldId id="461" r:id="rId28"/>
+    <p:sldId id="458" r:id="rId29"/>
+    <p:sldId id="462" r:id="rId30"/>
   </p:sldIdLst>
   <p:sldSz cx="9144000" cy="6858000" type="screen4x3"/>
   <p:notesSz cx="6858000" cy="9144000"/>
@@ -13586,8 +13588,8 @@
         </p:nvSpPr>
         <p:spPr>
           <a:xfrm>
-            <a:off x="2971800" y="1143000"/>
-            <a:ext cx="3241092" cy="461665"/>
+            <a:off x="2655034" y="3429000"/>
+            <a:ext cx="4005198" cy="553998"/>
           </a:xfrm>
           <a:prstGeom prst="rect">
             <a:avLst/>
@@ -13601,8 +13603,213 @@
           <a:lstStyle/>
           <a:p>
             <a:r>
+              <a:rPr lang="en-US" sz="3000" dirty="0" smtClean="0"/>
+              <a:t>Let’s write some code!</a:t>
+            </a:r>
+            <a:endParaRPr lang="en-US" sz="3000" dirty="0"/>
+          </a:p>
+        </p:txBody>
+      </p:sp>
+    </p:spTree>
+    <p:extLst>
+      <p:ext uri="{BB962C8B-B14F-4D97-AF65-F5344CB8AC3E}">
+        <p14:creationId xmlns:p14="http://schemas.microsoft.com/office/powerpoint/2010/main" val="3251128551"/>
+      </p:ext>
+    </p:extLst>
+  </p:cSld>
+  <p:clrMapOvr>
+    <a:masterClrMapping/>
+  </p:clrMapOvr>
+  <p:timing>
+    <p:tnLst>
+      <p:par>
+        <p:cTn xmlns:p14="http://schemas.microsoft.com/office/powerpoint/2010/main" id="1" dur="indefinite" restart="never" nodeType="tmRoot"/>
+      </p:par>
+    </p:tnLst>
+  </p:timing>
+</p:sld>
+</file>
+
+<file path=ppt/slides/slide28.xml><?xml version="1.0" encoding="utf-8"?>
+<p:sld xmlns:a="http://schemas.openxmlformats.org/drawingml/2006/main" xmlns:r="http://schemas.openxmlformats.org/officeDocument/2006/relationships" xmlns:p="http://schemas.openxmlformats.org/presentationml/2006/main">
+  <p:cSld>
+    <p:spTree>
+      <p:nvGrpSpPr>
+        <p:cNvPr id="1" name=""/>
+        <p:cNvGrpSpPr/>
+        <p:nvPr/>
+      </p:nvGrpSpPr>
+      <p:grpSpPr>
+        <a:xfrm>
+          <a:off x="0" y="0"/>
+          <a:ext cx="0" cy="0"/>
+          <a:chOff x="0" y="0"/>
+          <a:chExt cx="0" cy="0"/>
+        </a:xfrm>
+      </p:grpSpPr>
+      <p:sp>
+        <p:nvSpPr>
+          <p:cNvPr id="2" name="Title 1"/>
+          <p:cNvSpPr>
+            <a:spLocks noGrp="1"/>
+          </p:cNvSpPr>
+          <p:nvPr>
+            <p:ph type="title"/>
+          </p:nvPr>
+        </p:nvSpPr>
+        <p:spPr/>
+        <p:txBody>
+          <a:bodyPr/>
+          <a:lstStyle/>
+          <a:p>
+            <a:r>
               <a:rPr lang="en-US" dirty="0" smtClean="0"/>
-              <a:t>Let’s write some code!</a:t>
+              <a:t>Game Of Life Rules</a:t>
+            </a:r>
+            <a:endParaRPr lang="en-US" dirty="0"/>
+          </a:p>
+        </p:txBody>
+      </p:sp>
+      <p:sp>
+        <p:nvSpPr>
+          <p:cNvPr id="67" name="Content Placeholder 2"/>
+          <p:cNvSpPr>
+            <a:spLocks noGrp="1"/>
+          </p:cNvSpPr>
+          <p:nvPr>
+            <p:ph idx="1"/>
+          </p:nvPr>
+        </p:nvSpPr>
+        <p:spPr>
+          <a:xfrm>
+            <a:off x="457200" y="1143000"/>
+            <a:ext cx="8229600" cy="4983163"/>
+          </a:xfrm>
+        </p:spPr>
+        <p:txBody>
+          <a:bodyPr/>
+          <a:lstStyle/>
+          <a:p>
+            <a:pPr marL="0" indent="0">
+              <a:buNone/>
+            </a:pPr>
+            <a:r>
+              <a:rPr lang="en-US" dirty="0" smtClean="0"/>
+              <a:t>For each </a:t>
+            </a:r>
+            <a:r>
+              <a:rPr lang="en-US" dirty="0" smtClean="0"/>
+              <a:t>step, iterate over each cell and</a:t>
+            </a:r>
+            <a:endParaRPr lang="en-US" dirty="0" smtClean="0"/>
+          </a:p>
+          <a:p>
+            <a:r>
+              <a:rPr lang="en-US" dirty="0" smtClean="0"/>
+              <a:t>If the cell is alive and</a:t>
+            </a:r>
+          </a:p>
+          <a:p>
+            <a:pPr lvl="1"/>
+            <a:r>
+              <a:rPr lang="en-US" dirty="0" smtClean="0"/>
+              <a:t>Has 0 or 1 Alive neighbors, it dies from Loneliness</a:t>
+            </a:r>
+          </a:p>
+          <a:p>
+            <a:pPr lvl="1"/>
+            <a:r>
+              <a:rPr lang="en-US" dirty="0" smtClean="0"/>
+              <a:t>Has 2 or 3 Alive neighbors, it is Happy and stays alive</a:t>
+            </a:r>
+          </a:p>
+          <a:p>
+            <a:pPr lvl="1"/>
+            <a:r>
+              <a:rPr lang="en-US" dirty="0" smtClean="0"/>
+              <a:t>Has 4 or more Alive neighbors, it dies from Overcrowding</a:t>
+            </a:r>
+          </a:p>
+          <a:p>
+            <a:r>
+              <a:rPr lang="en-US" dirty="0" smtClean="0"/>
+              <a:t>If the cell is dead and</a:t>
+            </a:r>
+          </a:p>
+          <a:p>
+            <a:pPr lvl="1"/>
+            <a:r>
+              <a:rPr lang="en-US" dirty="0" smtClean="0"/>
+              <a:t>Has exactly 3 Alive neighbors, it is Fertile and becomes Alive</a:t>
+            </a:r>
+          </a:p>
+          <a:p>
+            <a:pPr lvl="1"/>
+            <a:r>
+              <a:rPr lang="en-US" dirty="0" smtClean="0"/>
+              <a:t>Otherwise, it remains Dead</a:t>
+            </a:r>
+          </a:p>
+          <a:p>
+            <a:pPr lvl="1"/>
+            <a:endParaRPr lang="en-US" dirty="0" smtClean="0"/>
+          </a:p>
+          <a:p>
+            <a:pPr lvl="1"/>
+            <a:endParaRPr lang="en-US" dirty="0" smtClean="0"/>
+          </a:p>
+        </p:txBody>
+      </p:sp>
+    </p:spTree>
+  </p:cSld>
+  <p:clrMapOvr>
+    <a:masterClrMapping/>
+  </p:clrMapOvr>
+  <p:timing>
+    <p:tnLst>
+      <p:par>
+        <p:cTn xmlns:p14="http://schemas.microsoft.com/office/powerpoint/2010/main" id="1" dur="indefinite" restart="never" nodeType="tmRoot"/>
+      </p:par>
+    </p:tnLst>
+  </p:timing>
+</p:sld>
+</file>
+
+<file path=ppt/slides/slide29.xml><?xml version="1.0" encoding="utf-8"?>
+<p:sld xmlns:a="http://schemas.openxmlformats.org/drawingml/2006/main" xmlns:r="http://schemas.openxmlformats.org/officeDocument/2006/relationships" xmlns:p="http://schemas.openxmlformats.org/presentationml/2006/main">
+  <p:cSld>
+    <p:spTree>
+      <p:nvGrpSpPr>
+        <p:cNvPr id="1" name=""/>
+        <p:cNvGrpSpPr/>
+        <p:nvPr/>
+      </p:nvGrpSpPr>
+      <p:grpSpPr>
+        <a:xfrm>
+          <a:off x="0" y="0"/>
+          <a:ext cx="0" cy="0"/>
+          <a:chOff x="0" y="0"/>
+          <a:chExt cx="0" cy="0"/>
+        </a:xfrm>
+      </p:grpSpPr>
+      <p:sp>
+        <p:nvSpPr>
+          <p:cNvPr id="2" name="Title 1"/>
+          <p:cNvSpPr>
+            <a:spLocks noGrp="1"/>
+          </p:cNvSpPr>
+          <p:nvPr>
+            <p:ph type="title"/>
+          </p:nvPr>
+        </p:nvSpPr>
+        <p:spPr/>
+        <p:txBody>
+          <a:bodyPr/>
+          <a:lstStyle/>
+          <a:p>
+            <a:r>
+              <a:rPr lang="en-US" dirty="0" smtClean="0"/>
+              <a:t>Game Of Life State Chart</a:t>
             </a:r>
             <a:endParaRPr lang="en-US" dirty="0"/>
           </a:p>
@@ -13639,6 +13846,11 @@
         </p:spPr>
       </p:pic>
     </p:spTree>
+    <p:extLst>
+      <p:ext uri="{BB962C8B-B14F-4D97-AF65-F5344CB8AC3E}">
+        <p14:creationId xmlns:p14="http://schemas.microsoft.com/office/powerpoint/2010/main" val="2284169196"/>
+      </p:ext>
+    </p:extLst>
   </p:cSld>
   <p:clrMapOvr>
     <a:masterClrMapping/>
